--- a/Doc/Projet longue durée MARS.pptx
+++ b/Doc/Projet longue durée MARS.pptx
@@ -6337,7 +6337,7 @@
           <a:p>
             <a:r>
               <a:rPr lang="fr-FR" dirty="0" smtClean="0"/>
-              <a:t>SM historique</a:t>
+              <a:t>DSD historique CONTACTS</a:t>
             </a:r>
             <a:endParaRPr lang="fr-FR" dirty="0"/>
           </a:p>
@@ -6508,7 +6508,11 @@
           <a:p>
             <a:r>
               <a:rPr lang="fr-FR" dirty="0" smtClean="0"/>
-              <a:t>SM détails contact</a:t>
+              <a:t>DSD </a:t>
+            </a:r>
+            <a:r>
+              <a:rPr lang="fr-FR" dirty="0" smtClean="0"/>
+              <a:t>détails contact</a:t>
             </a:r>
             <a:endParaRPr lang="fr-FR" dirty="0"/>
           </a:p>
@@ -6591,7 +6595,11 @@
           <a:p>
             <a:r>
               <a:rPr lang="fr-FR" dirty="0" smtClean="0"/>
-              <a:t>SM Modifier contact</a:t>
+              <a:t>DSD </a:t>
+            </a:r>
+            <a:r>
+              <a:rPr lang="fr-FR" dirty="0" smtClean="0"/>
+              <a:t>Modifier contact</a:t>
             </a:r>
             <a:endParaRPr lang="fr-FR" dirty="0"/>
           </a:p>
@@ -6674,7 +6682,7 @@
           <a:p>
             <a:r>
               <a:rPr lang="fr-FR" dirty="0" smtClean="0"/>
-              <a:t>SM créer contact</a:t>
+              <a:t>DSD créer contact</a:t>
             </a:r>
             <a:endParaRPr lang="fr-FR" dirty="0"/>
           </a:p>
@@ -6844,12 +6852,12 @@
           <a:lstStyle/>
           <a:p>
             <a:r>
-              <a:rPr lang="fr-FR" dirty="0" err="1" smtClean="0"/>
-              <a:t>Sm</a:t>
-            </a:r>
-            <a:r>
               <a:rPr lang="fr-FR" dirty="0" smtClean="0"/>
-              <a:t> catalogue des propositions</a:t>
+              <a:t>DSD </a:t>
+            </a:r>
+            <a:r>
+              <a:rPr lang="fr-FR" dirty="0" smtClean="0"/>
+              <a:t>catalogue des propositions</a:t>
             </a:r>
             <a:endParaRPr lang="fr-FR" dirty="0"/>
           </a:p>
@@ -7106,12 +7114,8 @@
           <a:lstStyle/>
           <a:p>
             <a:r>
-              <a:rPr lang="fr-FR" dirty="0" err="1" smtClean="0"/>
-              <a:t>Sm</a:t>
-            </a:r>
-            <a:r>
               <a:rPr lang="fr-FR" dirty="0" smtClean="0"/>
-              <a:t> contrats</a:t>
+              <a:t>DSD LISTER contrats</a:t>
             </a:r>
             <a:endParaRPr lang="fr-FR" dirty="0"/>
           </a:p>
@@ -7413,7 +7417,7 @@
           <a:p>
             <a:r>
               <a:rPr lang="fr-FR" dirty="0" smtClean="0"/>
-              <a:t>SM contrats</a:t>
+              <a:t>DSD SOUSCRIRE contrat</a:t>
             </a:r>
             <a:endParaRPr lang="fr-FR" dirty="0"/>
           </a:p>
@@ -7488,12 +7492,8 @@
           <a:lstStyle/>
           <a:p>
             <a:r>
-              <a:rPr lang="fr-FR" dirty="0" err="1" smtClean="0"/>
-              <a:t>Sm</a:t>
-            </a:r>
-            <a:r>
               <a:rPr lang="fr-FR" dirty="0" smtClean="0"/>
-              <a:t> contrats</a:t>
+              <a:t>DSD RESILIER contrat</a:t>
             </a:r>
             <a:endParaRPr lang="fr-FR" dirty="0"/>
           </a:p>
@@ -7644,35 +7644,22 @@
             <p:ph type="title"/>
           </p:nvPr>
         </p:nvSpPr>
-        <p:spPr/>
+        <p:spPr>
+          <a:xfrm>
+            <a:off x="3886201" y="2331720"/>
+            <a:ext cx="3719944" cy="1151965"/>
+          </a:xfrm>
+        </p:spPr>
         <p:txBody>
           <a:bodyPr/>
           <a:lstStyle/>
           <a:p>
+            <a:pPr algn="ctr"/>
             <a:r>
               <a:rPr lang="fr-FR" dirty="0" smtClean="0"/>
               <a:t>conclusion</a:t>
             </a:r>
             <a:endParaRPr lang="fr-FR" dirty="0"/>
-          </a:p>
-        </p:txBody>
-      </p:sp>
-      <p:sp>
-        <p:nvSpPr>
-          <p:cNvPr id="3" name="Espace réservé du contenu 2"/>
-          <p:cNvSpPr>
-            <a:spLocks noGrp="1"/>
-          </p:cNvSpPr>
-          <p:nvPr>
-            <p:ph sz="quarter" idx="13"/>
-          </p:nvPr>
-        </p:nvSpPr>
-        <p:spPr/>
-        <p:txBody>
-          <a:bodyPr/>
-          <a:lstStyle/>
-          <a:p>
-            <a:endParaRPr lang="fr-FR"/>
           </a:p>
         </p:txBody>
       </p:sp>
@@ -7896,7 +7883,11 @@
           <a:p>
             <a:r>
               <a:rPr lang="fr-FR" dirty="0" smtClean="0"/>
-              <a:t>SM Vue 360° contact</a:t>
+              <a:t>DSD </a:t>
+            </a:r>
+            <a:r>
+              <a:rPr lang="fr-FR" dirty="0" smtClean="0"/>
+              <a:t>Vue 360° contact</a:t>
             </a:r>
             <a:endParaRPr lang="fr-FR" dirty="0"/>
           </a:p>
@@ -7984,7 +7975,11 @@
           <a:p>
             <a:r>
               <a:rPr lang="fr-FR" dirty="0" smtClean="0"/>
-              <a:t>SM Vue 360° contrats</a:t>
+              <a:t>DSD </a:t>
+            </a:r>
+            <a:r>
+              <a:rPr lang="fr-FR" dirty="0" smtClean="0"/>
+              <a:t>Vue 360° contrats</a:t>
             </a:r>
             <a:endParaRPr lang="fr-FR" dirty="0"/>
           </a:p>
@@ -8239,16 +8234,18 @@
           </a:xfrm>
         </p:spPr>
         <p:txBody>
-          <a:bodyPr/>
-          <a:lstStyle/>
-          <a:p>
-            <a:r>
-              <a:rPr lang="fr-FR" dirty="0" err="1" smtClean="0"/>
-              <a:t>Sm</a:t>
-            </a:r>
+          <a:bodyPr>
+            <a:normAutofit fontScale="90000"/>
+          </a:bodyPr>
+          <a:lstStyle/>
+          <a:p>
             <a:r>
               <a:rPr lang="fr-FR" dirty="0" smtClean="0"/>
-              <a:t> entête</a:t>
+              <a:t>DSD </a:t>
+            </a:r>
+            <a:r>
+              <a:rPr lang="fr-FR" dirty="0" smtClean="0"/>
+              <a:t>entête</a:t>
             </a:r>
             <a:endParaRPr lang="fr-FR" dirty="0"/>
           </a:p>
